--- a/clases/Cap02_Color/presentations/IMG02_KMeans.pptx
+++ b/clases/Cap02_Color/presentations/IMG02_KMeans.pptx
@@ -219,7 +219,7 @@
           <a:p>
             <a:fld id="{089CB84B-3086-824D-91F5-F571CFDD3E7D}" type="datetimeFigureOut">
               <a:rPr lang="en-US" smtClean="0"/>
-              <a:t>11/12/18</a:t>
+              <a:t>11/15/22</a:t>
             </a:fld>
             <a:endParaRPr lang="en-US"/>
           </a:p>
@@ -283,35 +283,35 @@
           <a:p>
             <a:pPr lvl="0"/>
             <a:r>
-              <a:rPr lang="es-ES_tradnl" smtClean="0"/>
+              <a:rPr lang="es-ES_tradnl"/>
               <a:t>Click to edit Master text styles</a:t>
             </a:r>
           </a:p>
           <a:p>
             <a:pPr lvl="1"/>
             <a:r>
-              <a:rPr lang="es-ES_tradnl" smtClean="0"/>
+              <a:rPr lang="es-ES_tradnl"/>
               <a:t>Second level</a:t>
             </a:r>
           </a:p>
           <a:p>
             <a:pPr lvl="2"/>
             <a:r>
-              <a:rPr lang="es-ES_tradnl" smtClean="0"/>
+              <a:rPr lang="es-ES_tradnl"/>
               <a:t>Third level</a:t>
             </a:r>
           </a:p>
           <a:p>
             <a:pPr lvl="3"/>
             <a:r>
-              <a:rPr lang="es-ES_tradnl" smtClean="0"/>
+              <a:rPr lang="es-ES_tradnl"/>
               <a:t>Fourth level</a:t>
             </a:r>
           </a:p>
           <a:p>
             <a:pPr lvl="4"/>
             <a:r>
-              <a:rPr lang="es-ES_tradnl" smtClean="0"/>
+              <a:rPr lang="es-ES_tradnl"/>
               <a:t>Fifth level</a:t>
             </a:r>
             <a:endParaRPr lang="en-US"/>
@@ -563,7 +563,7 @@
           <a:lstStyle/>
           <a:p>
             <a:pPr eaLnBrk="1" hangingPunct="1"/>
-            <a:endParaRPr lang="es-ES" smtClean="0"/>
+            <a:endParaRPr lang="es-ES"/>
           </a:p>
         </p:txBody>
       </p:sp>
@@ -618,10 +618,9 @@
           <a:lstStyle/>
           <a:p>
             <a:r>
-              <a:rPr lang="en-US" smtClean="0"/>
+              <a:rPr lang="en-US"/>
               <a:t>Click to edit Master title style</a:t>
             </a:r>
-            <a:endParaRPr lang="en-US"/>
           </a:p>
         </p:txBody>
       </p:sp>
@@ -737,10 +736,9 @@
           </a:lstStyle>
           <a:p>
             <a:r>
-              <a:rPr lang="en-US" smtClean="0"/>
+              <a:rPr lang="en-US"/>
               <a:t>Click to edit Master subtitle style</a:t>
             </a:r>
-            <a:endParaRPr lang="en-US"/>
           </a:p>
         </p:txBody>
       </p:sp>
@@ -761,7 +759,7 @@
           <a:p>
             <a:fld id="{D3AE09B4-90D0-1245-B83D-B1B2932963E4}" type="datetimeFigureOut">
               <a:rPr lang="en-US" smtClean="0"/>
-              <a:t>11/12/18</a:t>
+              <a:t>11/15/22</a:t>
             </a:fld>
             <a:endParaRPr lang="en-US"/>
           </a:p>
@@ -855,7 +853,7 @@
           <a:lstStyle/>
           <a:p>
             <a:r>
-              <a:rPr lang="es-ES_tradnl" smtClean="0"/>
+              <a:rPr lang="es-ES_tradnl"/>
               <a:t>Click to edit Master title style</a:t>
             </a:r>
             <a:endParaRPr lang="en-US"/>
@@ -879,35 +877,35 @@
           <a:p>
             <a:pPr lvl="0"/>
             <a:r>
-              <a:rPr lang="es-ES_tradnl" smtClean="0"/>
+              <a:rPr lang="es-ES_tradnl"/>
               <a:t>Click to edit Master text styles</a:t>
             </a:r>
           </a:p>
           <a:p>
             <a:pPr lvl="1"/>
             <a:r>
-              <a:rPr lang="es-ES_tradnl" smtClean="0"/>
+              <a:rPr lang="es-ES_tradnl"/>
               <a:t>Second level</a:t>
             </a:r>
           </a:p>
           <a:p>
             <a:pPr lvl="2"/>
             <a:r>
-              <a:rPr lang="es-ES_tradnl" smtClean="0"/>
+              <a:rPr lang="es-ES_tradnl"/>
               <a:t>Third level</a:t>
             </a:r>
           </a:p>
           <a:p>
             <a:pPr lvl="3"/>
             <a:r>
-              <a:rPr lang="es-ES_tradnl" smtClean="0"/>
+              <a:rPr lang="es-ES_tradnl"/>
               <a:t>Fourth level</a:t>
             </a:r>
           </a:p>
           <a:p>
             <a:pPr lvl="4"/>
             <a:r>
-              <a:rPr lang="es-ES_tradnl" smtClean="0"/>
+              <a:rPr lang="es-ES_tradnl"/>
               <a:t>Fifth level</a:t>
             </a:r>
             <a:endParaRPr lang="en-US"/>
@@ -931,7 +929,7 @@
           <a:p>
             <a:fld id="{D3AE09B4-90D0-1245-B83D-B1B2932963E4}" type="datetimeFigureOut">
               <a:rPr lang="en-US" smtClean="0"/>
-              <a:t>11/12/18</a:t>
+              <a:t>11/15/22</a:t>
             </a:fld>
             <a:endParaRPr lang="en-US"/>
           </a:p>
@@ -1030,7 +1028,7 @@
           <a:lstStyle/>
           <a:p>
             <a:r>
-              <a:rPr lang="es-ES_tradnl" smtClean="0"/>
+              <a:rPr lang="es-ES_tradnl"/>
               <a:t>Click to edit Master title style</a:t>
             </a:r>
             <a:endParaRPr lang="en-US"/>
@@ -1059,35 +1057,35 @@
           <a:p>
             <a:pPr lvl="0"/>
             <a:r>
-              <a:rPr lang="es-ES_tradnl" smtClean="0"/>
+              <a:rPr lang="es-ES_tradnl"/>
               <a:t>Click to edit Master text styles</a:t>
             </a:r>
           </a:p>
           <a:p>
             <a:pPr lvl="1"/>
             <a:r>
-              <a:rPr lang="es-ES_tradnl" smtClean="0"/>
+              <a:rPr lang="es-ES_tradnl"/>
               <a:t>Second level</a:t>
             </a:r>
           </a:p>
           <a:p>
             <a:pPr lvl="2"/>
             <a:r>
-              <a:rPr lang="es-ES_tradnl" smtClean="0"/>
+              <a:rPr lang="es-ES_tradnl"/>
               <a:t>Third level</a:t>
             </a:r>
           </a:p>
           <a:p>
             <a:pPr lvl="3"/>
             <a:r>
-              <a:rPr lang="es-ES_tradnl" smtClean="0"/>
+              <a:rPr lang="es-ES_tradnl"/>
               <a:t>Fourth level</a:t>
             </a:r>
           </a:p>
           <a:p>
             <a:pPr lvl="4"/>
             <a:r>
-              <a:rPr lang="es-ES_tradnl" smtClean="0"/>
+              <a:rPr lang="es-ES_tradnl"/>
               <a:t>Fifth level</a:t>
             </a:r>
             <a:endParaRPr lang="en-US"/>
@@ -1111,7 +1109,7 @@
           <a:p>
             <a:fld id="{D3AE09B4-90D0-1245-B83D-B1B2932963E4}" type="datetimeFigureOut">
               <a:rPr lang="en-US" smtClean="0"/>
-              <a:t>11/12/18</a:t>
+              <a:t>11/15/22</a:t>
             </a:fld>
             <a:endParaRPr lang="en-US"/>
           </a:p>
@@ -1205,7 +1203,7 @@
           <a:lstStyle/>
           <a:p>
             <a:r>
-              <a:rPr lang="es-ES_tradnl" smtClean="0"/>
+              <a:rPr lang="es-ES_tradnl"/>
               <a:t>Click to edit Master title style</a:t>
             </a:r>
             <a:endParaRPr lang="en-US"/>
@@ -1229,35 +1227,35 @@
           <a:p>
             <a:pPr lvl="0"/>
             <a:r>
-              <a:rPr lang="es-ES_tradnl" smtClean="0"/>
+              <a:rPr lang="es-ES_tradnl"/>
               <a:t>Click to edit Master text styles</a:t>
             </a:r>
           </a:p>
           <a:p>
             <a:pPr lvl="1"/>
             <a:r>
-              <a:rPr lang="es-ES_tradnl" smtClean="0"/>
+              <a:rPr lang="es-ES_tradnl"/>
               <a:t>Second level</a:t>
             </a:r>
           </a:p>
           <a:p>
             <a:pPr lvl="2"/>
             <a:r>
-              <a:rPr lang="es-ES_tradnl" smtClean="0"/>
+              <a:rPr lang="es-ES_tradnl"/>
               <a:t>Third level</a:t>
             </a:r>
           </a:p>
           <a:p>
             <a:pPr lvl="3"/>
             <a:r>
-              <a:rPr lang="es-ES_tradnl" smtClean="0"/>
+              <a:rPr lang="es-ES_tradnl"/>
               <a:t>Fourth level</a:t>
             </a:r>
           </a:p>
           <a:p>
             <a:pPr lvl="4"/>
             <a:r>
-              <a:rPr lang="es-ES_tradnl" smtClean="0"/>
+              <a:rPr lang="es-ES_tradnl"/>
               <a:t>Fifth level</a:t>
             </a:r>
             <a:endParaRPr lang="en-US"/>
@@ -1281,7 +1279,7 @@
           <a:p>
             <a:fld id="{D3AE09B4-90D0-1245-B83D-B1B2932963E4}" type="datetimeFigureOut">
               <a:rPr lang="en-US" smtClean="0"/>
-              <a:t>11/12/18</a:t>
+              <a:t>11/15/22</a:t>
             </a:fld>
             <a:endParaRPr lang="en-US"/>
           </a:p>
@@ -1384,7 +1382,7 @@
           </a:lstStyle>
           <a:p>
             <a:r>
-              <a:rPr lang="es-ES_tradnl" smtClean="0"/>
+              <a:rPr lang="es-ES_tradnl"/>
               <a:t>Click to edit Master title style</a:t>
             </a:r>
             <a:endParaRPr lang="en-US"/>
@@ -1504,7 +1502,7 @@
           <a:p>
             <a:pPr lvl="0"/>
             <a:r>
-              <a:rPr lang="es-ES_tradnl" smtClean="0"/>
+              <a:rPr lang="es-ES_tradnl"/>
               <a:t>Click to edit Master text styles</a:t>
             </a:r>
           </a:p>
@@ -1527,7 +1525,7 @@
           <a:p>
             <a:fld id="{D3AE09B4-90D0-1245-B83D-B1B2932963E4}" type="datetimeFigureOut">
               <a:rPr lang="en-US" smtClean="0"/>
-              <a:t>11/12/18</a:t>
+              <a:t>11/15/22</a:t>
             </a:fld>
             <a:endParaRPr lang="en-US"/>
           </a:p>
@@ -1621,7 +1619,7 @@
           <a:lstStyle/>
           <a:p>
             <a:r>
-              <a:rPr lang="es-ES_tradnl" smtClean="0"/>
+              <a:rPr lang="es-ES_tradnl"/>
               <a:t>Click to edit Master title style</a:t>
             </a:r>
             <a:endParaRPr lang="en-US"/>
@@ -1678,35 +1676,35 @@
           <a:p>
             <a:pPr lvl="0"/>
             <a:r>
-              <a:rPr lang="es-ES_tradnl" smtClean="0"/>
+              <a:rPr lang="es-ES_tradnl"/>
               <a:t>Click to edit Master text styles</a:t>
             </a:r>
           </a:p>
           <a:p>
             <a:pPr lvl="1"/>
             <a:r>
-              <a:rPr lang="es-ES_tradnl" smtClean="0"/>
+              <a:rPr lang="es-ES_tradnl"/>
               <a:t>Second level</a:t>
             </a:r>
           </a:p>
           <a:p>
             <a:pPr lvl="2"/>
             <a:r>
-              <a:rPr lang="es-ES_tradnl" smtClean="0"/>
+              <a:rPr lang="es-ES_tradnl"/>
               <a:t>Third level</a:t>
             </a:r>
           </a:p>
           <a:p>
             <a:pPr lvl="3"/>
             <a:r>
-              <a:rPr lang="es-ES_tradnl" smtClean="0"/>
+              <a:rPr lang="es-ES_tradnl"/>
               <a:t>Fourth level</a:t>
             </a:r>
           </a:p>
           <a:p>
             <a:pPr lvl="4"/>
             <a:r>
-              <a:rPr lang="es-ES_tradnl" smtClean="0"/>
+              <a:rPr lang="es-ES_tradnl"/>
               <a:t>Fifth level</a:t>
             </a:r>
             <a:endParaRPr lang="en-US"/>
@@ -1763,35 +1761,35 @@
           <a:p>
             <a:pPr lvl="0"/>
             <a:r>
-              <a:rPr lang="es-ES_tradnl" smtClean="0"/>
+              <a:rPr lang="es-ES_tradnl"/>
               <a:t>Click to edit Master text styles</a:t>
             </a:r>
           </a:p>
           <a:p>
             <a:pPr lvl="1"/>
             <a:r>
-              <a:rPr lang="es-ES_tradnl" smtClean="0"/>
+              <a:rPr lang="es-ES_tradnl"/>
               <a:t>Second level</a:t>
             </a:r>
           </a:p>
           <a:p>
             <a:pPr lvl="2"/>
             <a:r>
-              <a:rPr lang="es-ES_tradnl" smtClean="0"/>
+              <a:rPr lang="es-ES_tradnl"/>
               <a:t>Third level</a:t>
             </a:r>
           </a:p>
           <a:p>
             <a:pPr lvl="3"/>
             <a:r>
-              <a:rPr lang="es-ES_tradnl" smtClean="0"/>
+              <a:rPr lang="es-ES_tradnl"/>
               <a:t>Fourth level</a:t>
             </a:r>
           </a:p>
           <a:p>
             <a:pPr lvl="4"/>
             <a:r>
-              <a:rPr lang="es-ES_tradnl" smtClean="0"/>
+              <a:rPr lang="es-ES_tradnl"/>
               <a:t>Fifth level</a:t>
             </a:r>
             <a:endParaRPr lang="en-US"/>
@@ -1815,7 +1813,7 @@
           <a:p>
             <a:fld id="{D3AE09B4-90D0-1245-B83D-B1B2932963E4}" type="datetimeFigureOut">
               <a:rPr lang="en-US" smtClean="0"/>
-              <a:t>11/12/18</a:t>
+              <a:t>11/15/22</a:t>
             </a:fld>
             <a:endParaRPr lang="en-US"/>
           </a:p>
@@ -1913,7 +1911,7 @@
           </a:lstStyle>
           <a:p>
             <a:r>
-              <a:rPr lang="es-ES_tradnl" smtClean="0"/>
+              <a:rPr lang="es-ES_tradnl"/>
               <a:t>Click to edit Master title style</a:t>
             </a:r>
             <a:endParaRPr lang="en-US"/>
@@ -1979,7 +1977,7 @@
           <a:p>
             <a:pPr lvl="0"/>
             <a:r>
-              <a:rPr lang="es-ES_tradnl" smtClean="0"/>
+              <a:rPr lang="es-ES_tradnl"/>
               <a:t>Click to edit Master text styles</a:t>
             </a:r>
           </a:p>
@@ -2035,35 +2033,35 @@
           <a:p>
             <a:pPr lvl="0"/>
             <a:r>
-              <a:rPr lang="es-ES_tradnl" smtClean="0"/>
+              <a:rPr lang="es-ES_tradnl"/>
               <a:t>Click to edit Master text styles</a:t>
             </a:r>
           </a:p>
           <a:p>
             <a:pPr lvl="1"/>
             <a:r>
-              <a:rPr lang="es-ES_tradnl" smtClean="0"/>
+              <a:rPr lang="es-ES_tradnl"/>
               <a:t>Second level</a:t>
             </a:r>
           </a:p>
           <a:p>
             <a:pPr lvl="2"/>
             <a:r>
-              <a:rPr lang="es-ES_tradnl" smtClean="0"/>
+              <a:rPr lang="es-ES_tradnl"/>
               <a:t>Third level</a:t>
             </a:r>
           </a:p>
           <a:p>
             <a:pPr lvl="3"/>
             <a:r>
-              <a:rPr lang="es-ES_tradnl" smtClean="0"/>
+              <a:rPr lang="es-ES_tradnl"/>
               <a:t>Fourth level</a:t>
             </a:r>
           </a:p>
           <a:p>
             <a:pPr lvl="4"/>
             <a:r>
-              <a:rPr lang="es-ES_tradnl" smtClean="0"/>
+              <a:rPr lang="es-ES_tradnl"/>
               <a:t>Fifth level</a:t>
             </a:r>
             <a:endParaRPr lang="en-US"/>
@@ -2129,7 +2127,7 @@
           <a:p>
             <a:pPr lvl="0"/>
             <a:r>
-              <a:rPr lang="es-ES_tradnl" smtClean="0"/>
+              <a:rPr lang="es-ES_tradnl"/>
               <a:t>Click to edit Master text styles</a:t>
             </a:r>
           </a:p>
@@ -2185,35 +2183,35 @@
           <a:p>
             <a:pPr lvl="0"/>
             <a:r>
-              <a:rPr lang="es-ES_tradnl" smtClean="0"/>
+              <a:rPr lang="es-ES_tradnl"/>
               <a:t>Click to edit Master text styles</a:t>
             </a:r>
           </a:p>
           <a:p>
             <a:pPr lvl="1"/>
             <a:r>
-              <a:rPr lang="es-ES_tradnl" smtClean="0"/>
+              <a:rPr lang="es-ES_tradnl"/>
               <a:t>Second level</a:t>
             </a:r>
           </a:p>
           <a:p>
             <a:pPr lvl="2"/>
             <a:r>
-              <a:rPr lang="es-ES_tradnl" smtClean="0"/>
+              <a:rPr lang="es-ES_tradnl"/>
               <a:t>Third level</a:t>
             </a:r>
           </a:p>
           <a:p>
             <a:pPr lvl="3"/>
             <a:r>
-              <a:rPr lang="es-ES_tradnl" smtClean="0"/>
+              <a:rPr lang="es-ES_tradnl"/>
               <a:t>Fourth level</a:t>
             </a:r>
           </a:p>
           <a:p>
             <a:pPr lvl="4"/>
             <a:r>
-              <a:rPr lang="es-ES_tradnl" smtClean="0"/>
+              <a:rPr lang="es-ES_tradnl"/>
               <a:t>Fifth level</a:t>
             </a:r>
             <a:endParaRPr lang="en-US"/>
@@ -2237,7 +2235,7 @@
           <a:p>
             <a:fld id="{D3AE09B4-90D0-1245-B83D-B1B2932963E4}" type="datetimeFigureOut">
               <a:rPr lang="en-US" smtClean="0"/>
-              <a:t>11/12/18</a:t>
+              <a:t>11/15/22</a:t>
             </a:fld>
             <a:endParaRPr lang="en-US"/>
           </a:p>
@@ -2331,7 +2329,7 @@
           <a:lstStyle/>
           <a:p>
             <a:r>
-              <a:rPr lang="es-ES_tradnl" smtClean="0"/>
+              <a:rPr lang="es-ES_tradnl"/>
               <a:t>Click to edit Master title style</a:t>
             </a:r>
             <a:endParaRPr lang="en-US"/>
@@ -2355,7 +2353,7 @@
           <a:p>
             <a:fld id="{D3AE09B4-90D0-1245-B83D-B1B2932963E4}" type="datetimeFigureOut">
               <a:rPr lang="en-US" smtClean="0"/>
-              <a:t>11/12/18</a:t>
+              <a:t>11/15/22</a:t>
             </a:fld>
             <a:endParaRPr lang="en-US"/>
           </a:p>
@@ -2450,7 +2448,7 @@
           <a:p>
             <a:fld id="{D3AE09B4-90D0-1245-B83D-B1B2932963E4}" type="datetimeFigureOut">
               <a:rPr lang="en-US" smtClean="0"/>
-              <a:t>11/12/18</a:t>
+              <a:t>11/15/22</a:t>
             </a:fld>
             <a:endParaRPr lang="en-US"/>
           </a:p>
@@ -2553,7 +2551,7 @@
           </a:lstStyle>
           <a:p>
             <a:r>
-              <a:rPr lang="es-ES_tradnl" smtClean="0"/>
+              <a:rPr lang="es-ES_tradnl"/>
               <a:t>Click to edit Master title style</a:t>
             </a:r>
             <a:endParaRPr lang="en-US"/>
@@ -2610,35 +2608,35 @@
           <a:p>
             <a:pPr lvl="0"/>
             <a:r>
-              <a:rPr lang="es-ES_tradnl" smtClean="0"/>
+              <a:rPr lang="es-ES_tradnl"/>
               <a:t>Click to edit Master text styles</a:t>
             </a:r>
           </a:p>
           <a:p>
             <a:pPr lvl="1"/>
             <a:r>
-              <a:rPr lang="es-ES_tradnl" smtClean="0"/>
+              <a:rPr lang="es-ES_tradnl"/>
               <a:t>Second level</a:t>
             </a:r>
           </a:p>
           <a:p>
             <a:pPr lvl="2"/>
             <a:r>
-              <a:rPr lang="es-ES_tradnl" smtClean="0"/>
+              <a:rPr lang="es-ES_tradnl"/>
               <a:t>Third level</a:t>
             </a:r>
           </a:p>
           <a:p>
             <a:pPr lvl="3"/>
             <a:r>
-              <a:rPr lang="es-ES_tradnl" smtClean="0"/>
+              <a:rPr lang="es-ES_tradnl"/>
               <a:t>Fourth level</a:t>
             </a:r>
           </a:p>
           <a:p>
             <a:pPr lvl="4"/>
             <a:r>
-              <a:rPr lang="es-ES_tradnl" smtClean="0"/>
+              <a:rPr lang="es-ES_tradnl"/>
               <a:t>Fifth level</a:t>
             </a:r>
             <a:endParaRPr lang="en-US"/>
@@ -2704,7 +2702,7 @@
           <a:p>
             <a:pPr lvl="0"/>
             <a:r>
-              <a:rPr lang="es-ES_tradnl" smtClean="0"/>
+              <a:rPr lang="es-ES_tradnl"/>
               <a:t>Click to edit Master text styles</a:t>
             </a:r>
           </a:p>
@@ -2727,7 +2725,7 @@
           <a:p>
             <a:fld id="{D3AE09B4-90D0-1245-B83D-B1B2932963E4}" type="datetimeFigureOut">
               <a:rPr lang="en-US" smtClean="0"/>
-              <a:t>11/12/18</a:t>
+              <a:t>11/15/22</a:t>
             </a:fld>
             <a:endParaRPr lang="en-US"/>
           </a:p>
@@ -2830,7 +2828,7 @@
           </a:lstStyle>
           <a:p>
             <a:r>
-              <a:rPr lang="es-ES_tradnl" smtClean="0"/>
+              <a:rPr lang="es-ES_tradnl"/>
               <a:t>Click to edit Master title style</a:t>
             </a:r>
             <a:endParaRPr lang="en-US"/>
@@ -2957,7 +2955,7 @@
           <a:p>
             <a:pPr lvl="0"/>
             <a:r>
-              <a:rPr lang="es-ES_tradnl" smtClean="0"/>
+              <a:rPr lang="es-ES_tradnl"/>
               <a:t>Click to edit Master text styles</a:t>
             </a:r>
           </a:p>
@@ -2980,7 +2978,7 @@
           <a:p>
             <a:fld id="{D3AE09B4-90D0-1245-B83D-B1B2932963E4}" type="datetimeFigureOut">
               <a:rPr lang="en-US" smtClean="0"/>
-              <a:t>11/12/18</a:t>
+              <a:t>11/15/22</a:t>
             </a:fld>
             <a:endParaRPr lang="en-US"/>
           </a:p>
@@ -3089,10 +3087,9 @@
           <a:lstStyle/>
           <a:p>
             <a:r>
-              <a:rPr lang="en-US" smtClean="0"/>
+              <a:rPr lang="en-US"/>
               <a:t>Click to edit Master title style</a:t>
             </a:r>
-            <a:endParaRPr lang="en-US"/>
           </a:p>
         </p:txBody>
       </p:sp>
@@ -3123,38 +3120,37 @@
           <a:p>
             <a:pPr lvl="0"/>
             <a:r>
-              <a:rPr lang="en-US" smtClean="0"/>
+              <a:rPr lang="en-US"/>
               <a:t>Click to edit Master text styles</a:t>
             </a:r>
           </a:p>
           <a:p>
             <a:pPr lvl="1"/>
             <a:r>
-              <a:rPr lang="en-US" smtClean="0"/>
+              <a:rPr lang="en-US"/>
               <a:t>Second level</a:t>
             </a:r>
           </a:p>
           <a:p>
             <a:pPr lvl="2"/>
             <a:r>
-              <a:rPr lang="en-US" smtClean="0"/>
+              <a:rPr lang="en-US"/>
               <a:t>Third level</a:t>
             </a:r>
           </a:p>
           <a:p>
             <a:pPr lvl="3"/>
             <a:r>
-              <a:rPr lang="en-US" smtClean="0"/>
+              <a:rPr lang="en-US"/>
               <a:t>Fourth level</a:t>
             </a:r>
           </a:p>
           <a:p>
             <a:pPr lvl="4"/>
             <a:r>
-              <a:rPr lang="en-US" smtClean="0"/>
+              <a:rPr lang="en-US"/>
               <a:t>Fifth level</a:t>
             </a:r>
-            <a:endParaRPr lang="en-US"/>
           </a:p>
         </p:txBody>
       </p:sp>
@@ -3193,7 +3189,7 @@
           <a:p>
             <a:fld id="{D3AE09B4-90D0-1245-B83D-B1B2932963E4}" type="datetimeFigureOut">
               <a:rPr lang="en-US" smtClean="0"/>
-              <a:t>11/12/18</a:t>
+              <a:t>11/15/22</a:t>
             </a:fld>
             <a:endParaRPr lang="en-US"/>
           </a:p>
@@ -3918,6 +3914,17 @@
           <a:p>
             <a:pPr algn="ctr"/>
             <a:r>
+              <a:rPr lang="es-CL" sz="1200">
+                <a:solidFill>
+                  <a:schemeClr val="bg1">
+                    <a:lumMod val="75000"/>
+                  </a:schemeClr>
+                </a:solidFill>
+                <a:latin typeface="Trebuchet MS" pitchFamily="34" charset="0"/>
+              </a:rPr>
+              <a:t>Departamento </a:t>
+            </a:r>
+            <a:r>
               <a:rPr lang="es-CL" sz="1200" dirty="0">
                 <a:solidFill>
                   <a:schemeClr val="bg1">
@@ -3926,7 +3933,7 @@
                 </a:solidFill>
                 <a:latin typeface="Trebuchet MS" pitchFamily="34" charset="0"/>
               </a:rPr>
-              <a:t>Departmento de Ciencia de la Computación</a:t>
+              <a:t>de Ciencia de la Computación</a:t>
             </a:r>
           </a:p>
           <a:p>
@@ -3960,7 +3967,7 @@
           <a:p>
             <a:pPr algn="ctr"/>
             <a:r>
-              <a:rPr lang="es-CL" sz="1200">
+              <a:rPr lang="es-CL" sz="1200" dirty="0">
                 <a:solidFill>
                   <a:schemeClr val="bg1">
                     <a:lumMod val="75000"/>
@@ -3968,18 +3975,7 @@
                 </a:solidFill>
                 <a:latin typeface="Trebuchet MS" pitchFamily="34" charset="0"/>
               </a:rPr>
-              <a:t>Semestre </a:t>
-            </a:r>
-            <a:r>
-              <a:rPr lang="es-CL" sz="1200" smtClean="0">
-                <a:solidFill>
-                  <a:schemeClr val="bg1">
-                    <a:lumMod val="75000"/>
-                  </a:schemeClr>
-                </a:solidFill>
-                <a:latin typeface="Trebuchet MS" pitchFamily="34" charset="0"/>
-              </a:rPr>
-              <a:t>2018-2</a:t>
+              <a:t>Semestre 2018-2</a:t>
             </a:r>
             <a:endParaRPr lang="en-US" sz="1200" dirty="0">
               <a:solidFill>
@@ -4281,7 +4277,7 @@
           <a:p>
             <a:pPr algn="ctr"/>
             <a:r>
-              <a:rPr lang="es-CL" sz="2400" b="1" dirty="0" smtClean="0">
+              <a:rPr lang="es-CL" sz="2400" b="1" dirty="0">
                 <a:solidFill>
                   <a:srgbClr val="FFFFFF"/>
                 </a:solidFill>
@@ -4290,13 +4286,6 @@
               </a:rPr>
               <a:t>Segmentation using K-means</a:t>
             </a:r>
-            <a:endParaRPr lang="es-CL" sz="2400" b="1" dirty="0">
-              <a:solidFill>
-                <a:srgbClr val="FFFFFF"/>
-              </a:solidFill>
-              <a:latin typeface="Trebuchet MS"/>
-              <a:cs typeface="Trebuchet MS"/>
-            </a:endParaRPr>
           </a:p>
           <a:p>
             <a:pPr algn="ctr"/>
@@ -4318,27 +4307,7 @@
                 <a:latin typeface="Trebuchet MS"/>
                 <a:cs typeface="Trebuchet MS"/>
               </a:rPr>
-              <a:t>[ Capítulo </a:t>
-            </a:r>
-            <a:r>
-              <a:rPr lang="es-CL" sz="1000" dirty="0" smtClean="0">
-                <a:solidFill>
-                  <a:srgbClr val="FFFFFF"/>
-                </a:solidFill>
-                <a:latin typeface="Trebuchet MS"/>
-                <a:cs typeface="Trebuchet MS"/>
-              </a:rPr>
-              <a:t>2 </a:t>
-            </a:r>
-            <a:r>
-              <a:rPr lang="es-CL" sz="1000" dirty="0">
-                <a:solidFill>
-                  <a:srgbClr val="FFFFFF"/>
-                </a:solidFill>
-                <a:latin typeface="Trebuchet MS"/>
-                <a:cs typeface="Trebuchet MS"/>
-              </a:rPr>
-              <a:t>]</a:t>
+              <a:t>[ Capítulo 2 ]</a:t>
             </a:r>
           </a:p>
           <a:p>
@@ -4373,14 +4342,6 @@
   <p:clrMapOvr>
     <a:masterClrMapping/>
   </p:clrMapOvr>
-  <mc:AlternateContent xmlns:mc="http://schemas.openxmlformats.org/markup-compatibility/2006" xmlns:p14="http://schemas.microsoft.com/office/powerpoint/2010/main">
-    <mc:Choice Requires="p14">
-      <p:transition p14:dur="0"/>
-    </mc:Choice>
-    <mc:Fallback xmlns="">
-      <p:transition xmlns:p14="http://schemas.microsoft.com/office/powerpoint/2010/main"/>
-    </mc:Fallback>
-  </mc:AlternateContent>
   <p:timing>
     <p:tnLst>
       <p:par>
@@ -5991,10 +5952,9 @@
           <a:lstStyle/>
           <a:p>
             <a:r>
-              <a:rPr lang="en-US" dirty="0" smtClean="0"/>
+              <a:rPr lang="en-US" dirty="0"/>
               <a:t>Assign to the nearest centroid</a:t>
             </a:r>
-            <a:endParaRPr lang="en-US" dirty="0"/>
           </a:p>
         </p:txBody>
       </p:sp>
@@ -6047,13 +6007,6 @@
   <p:clrMapOvr>
     <a:masterClrMapping/>
   </p:clrMapOvr>
-  <p:timing>
-    <p:tnLst>
-      <p:par>
-        <p:cTn id="1" dur="indefinite" restart="never" nodeType="tmRoot"/>
-      </p:par>
-    </p:tnLst>
-  </p:timing>
 </p:sld>
 </file>
 
@@ -7081,10 +7034,9 @@
           <a:lstStyle/>
           <a:p>
             <a:r>
-              <a:rPr lang="en-US" dirty="0" smtClean="0"/>
+              <a:rPr lang="en-US" dirty="0"/>
               <a:t>Assign to the nearest centroid</a:t>
             </a:r>
-            <a:endParaRPr lang="en-US" dirty="0"/>
           </a:p>
         </p:txBody>
       </p:sp>
@@ -7137,13 +7089,6 @@
   <p:clrMapOvr>
     <a:masterClrMapping/>
   </p:clrMapOvr>
-  <p:timing>
-    <p:tnLst>
-      <p:par>
-        <p:cTn id="1" dur="indefinite" restart="never" nodeType="tmRoot"/>
-      </p:par>
-    </p:tnLst>
-  </p:timing>
 </p:sld>
 </file>
 
@@ -8171,10 +8116,9 @@
           <a:lstStyle/>
           <a:p>
             <a:r>
-              <a:rPr lang="en-US" dirty="0" smtClean="0"/>
+              <a:rPr lang="en-US" dirty="0"/>
               <a:t>Repeat until convergence</a:t>
             </a:r>
-            <a:endParaRPr lang="en-US" dirty="0"/>
           </a:p>
         </p:txBody>
       </p:sp>
@@ -8270,13 +8214,6 @@
   <p:clrMapOvr>
     <a:masterClrMapping/>
   </p:clrMapOvr>
-  <p:timing>
-    <p:tnLst>
-      <p:par>
-        <p:cTn id="1" dur="indefinite" restart="never" nodeType="tmRoot"/>
-      </p:par>
-    </p:tnLst>
-  </p:timing>
 </p:sld>
 </file>
 
@@ -8320,7 +8257,7 @@
           <a:lstStyle/>
           <a:p>
             <a:r>
-              <a:rPr lang="en-US" sz="3200" dirty="0" smtClean="0"/>
+              <a:rPr lang="en-US" sz="3200" dirty="0"/>
               <a:t>Algorithm:</a:t>
             </a:r>
           </a:p>
@@ -8332,66 +8269,19 @@
               <a:buAutoNum type="arabicPeriod"/>
             </a:pPr>
             <a:r>
-              <a:rPr lang="en-US" sz="2400" dirty="0" smtClean="0"/>
+              <a:rPr lang="en-US" sz="2400" dirty="0"/>
               <a:t>Input Data X = {x</a:t>
             </a:r>
             <a:r>
-              <a:rPr lang="en-US" sz="2400" baseline="-25000" dirty="0" smtClean="0"/>
+              <a:rPr lang="en-US" sz="2400" baseline="-25000" dirty="0"/>
               <a:t>1</a:t>
             </a:r>
             <a:r>
-              <a:rPr lang="en-US" sz="2400" dirty="0" smtClean="0"/>
+              <a:rPr lang="en-US" sz="2400" dirty="0"/>
               <a:t>, x</a:t>
             </a:r>
             <a:r>
-              <a:rPr lang="en-US" sz="2400" baseline="-25000" dirty="0" smtClean="0"/>
-              <a:t>2</a:t>
-            </a:r>
-            <a:r>
-              <a:rPr lang="en-US" sz="2400" dirty="0" smtClean="0"/>
-              <a:t>, ... </a:t>
-            </a:r>
-            <a:r>
-              <a:rPr lang="en-US" sz="2400" dirty="0" err="1" smtClean="0"/>
-              <a:t>x</a:t>
-            </a:r>
-            <a:r>
-              <a:rPr lang="en-US" sz="2400" baseline="-25000" dirty="0" err="1" smtClean="0"/>
-              <a:t>N</a:t>
-            </a:r>
-            <a:r>
-              <a:rPr lang="en-US" sz="2400" dirty="0" smtClean="0"/>
-              <a:t>} and number of clusters K</a:t>
-            </a:r>
-          </a:p>
-          <a:p>
-            <a:pPr marL="342900" indent="-342900">
-              <a:buAutoNum type="arabicPeriod"/>
-            </a:pPr>
-            <a:endParaRPr lang="en-US" sz="2400" dirty="0" smtClean="0"/>
-          </a:p>
-          <a:p>
-            <a:pPr marL="342900" indent="-342900">
-              <a:buAutoNum type="arabicPeriod"/>
-            </a:pPr>
-            <a:r>
-              <a:rPr lang="en-US" sz="2400" dirty="0" smtClean="0"/>
-              <a:t>Centroids {c</a:t>
-            </a:r>
-            <a:r>
-              <a:rPr lang="en-US" sz="2400" baseline="-25000" dirty="0" smtClean="0"/>
-              <a:t>1</a:t>
-            </a:r>
-            <a:r>
-              <a:rPr lang="en-US" sz="2400" dirty="0"/>
-              <a:t>, </a:t>
-            </a:r>
-            <a:r>
-              <a:rPr lang="en-US" sz="2400" dirty="0" smtClean="0"/>
-              <a:t>c</a:t>
-            </a:r>
-            <a:r>
-              <a:rPr lang="en-US" sz="2400" baseline="-25000" dirty="0" smtClean="0"/>
+              <a:rPr lang="en-US" sz="2400" baseline="-25000" dirty="0"/>
               <a:t>2</a:t>
             </a:r>
             <a:r>
@@ -8399,149 +8289,16 @@
               <a:t>, ... </a:t>
             </a:r>
             <a:r>
-              <a:rPr lang="en-US" sz="2400" dirty="0" err="1" smtClean="0"/>
-              <a:t>c</a:t>
-            </a:r>
-            <a:r>
-              <a:rPr lang="en-US" sz="2400" baseline="-25000" dirty="0" err="1" smtClean="0"/>
-              <a:t>K</a:t>
-            </a:r>
-            <a:r>
-              <a:rPr lang="en-US" sz="2400" dirty="0" smtClean="0"/>
-              <a:t>}  = random K points of X</a:t>
-            </a:r>
-          </a:p>
-          <a:p>
-            <a:pPr marL="342900" indent="-342900">
-              <a:buAutoNum type="arabicPeriod"/>
-            </a:pPr>
-            <a:endParaRPr lang="en-US" sz="2400" dirty="0" smtClean="0"/>
-          </a:p>
-          <a:p>
-            <a:pPr marL="342900" indent="-342900">
-              <a:buAutoNum type="arabicPeriod"/>
-            </a:pPr>
-            <a:r>
-              <a:rPr lang="en-US" sz="2400" dirty="0" smtClean="0"/>
-              <a:t>For each data point x</a:t>
-            </a:r>
-            <a:r>
-              <a:rPr lang="en-US" sz="2400" baseline="-25000" dirty="0" smtClean="0"/>
-              <a:t>i </a:t>
-            </a:r>
-          </a:p>
-          <a:p>
-            <a:pPr marL="342900" indent="-342900">
-              <a:buAutoNum type="arabicPeriod"/>
-            </a:pPr>
-            <a:endParaRPr lang="en-US" sz="2400" dirty="0" smtClean="0"/>
-          </a:p>
-          <a:p>
-            <a:pPr marL="342900" indent="-342900">
-              <a:buAutoNum type="arabicPeriod"/>
-            </a:pPr>
-            <a:r>
-              <a:rPr lang="en-US" sz="2400" dirty="0" smtClean="0"/>
-              <a:t>       Compute distance </a:t>
-            </a:r>
-            <a:r>
-              <a:rPr lang="en-US" sz="2400" dirty="0" err="1" smtClean="0"/>
-              <a:t>d</a:t>
-            </a:r>
-            <a:r>
-              <a:rPr lang="en-US" sz="2400" baseline="-25000" dirty="0" err="1" smtClean="0"/>
-              <a:t>ij</a:t>
-            </a:r>
-            <a:r>
-              <a:rPr lang="en-US" sz="2400" dirty="0" smtClean="0"/>
-              <a:t> = d(</a:t>
-            </a:r>
-            <a:r>
-              <a:rPr lang="en-US" sz="2400" dirty="0" err="1" smtClean="0"/>
+              <a:rPr lang="en-US" sz="2400" dirty="0" err="1"/>
               <a:t>x</a:t>
             </a:r>
             <a:r>
-              <a:rPr lang="en-US" sz="2400" baseline="-25000" dirty="0" err="1" smtClean="0"/>
-              <a:t>i</a:t>
-            </a:r>
-            <a:r>
-              <a:rPr lang="en-US" sz="2400" dirty="0" err="1" smtClean="0"/>
-              <a:t>,c</a:t>
-            </a:r>
-            <a:r>
-              <a:rPr lang="en-US" sz="2400" baseline="-25000" dirty="0" err="1" smtClean="0"/>
-              <a:t>j</a:t>
-            </a:r>
-            <a:r>
-              <a:rPr lang="en-US" sz="2400" dirty="0" smtClean="0"/>
-              <a:t>)  </a:t>
-            </a:r>
-            <a:r>
-              <a:rPr lang="en-US" sz="2400" dirty="0" err="1" smtClean="0"/>
-              <a:t>i</a:t>
-            </a:r>
-            <a:r>
-              <a:rPr lang="en-US" sz="2400" dirty="0" smtClean="0"/>
-              <a:t>=1,...,N, j=1,...K</a:t>
-            </a:r>
-          </a:p>
-          <a:p>
-            <a:pPr marL="342900" indent="-342900">
-              <a:buAutoNum type="arabicPeriod"/>
-            </a:pPr>
-            <a:endParaRPr lang="en-US" sz="2400" dirty="0" smtClean="0"/>
-          </a:p>
-          <a:p>
-            <a:pPr marL="342900" indent="-342900">
-              <a:buAutoNum type="arabicPeriod"/>
-            </a:pPr>
-            <a:r>
-              <a:rPr lang="en-US" sz="2400" dirty="0" smtClean="0"/>
-              <a:t>       Assign x</a:t>
-            </a:r>
-            <a:r>
-              <a:rPr lang="en-US" sz="2400" baseline="-25000" dirty="0" smtClean="0"/>
-              <a:t>i</a:t>
-            </a:r>
-            <a:r>
-              <a:rPr lang="en-US" sz="2400" dirty="0" smtClean="0"/>
-              <a:t> to the nearest centroid: </a:t>
-            </a:r>
-            <a:r>
-              <a:rPr lang="en-US" sz="2400" dirty="0" err="1" smtClean="0"/>
-              <a:t>y</a:t>
-            </a:r>
-            <a:r>
-              <a:rPr lang="en-US" sz="2400" baseline="-25000" dirty="0" err="1" smtClean="0"/>
-              <a:t>i</a:t>
-            </a:r>
-            <a:r>
-              <a:rPr lang="en-US" sz="2400" dirty="0" smtClean="0"/>
-              <a:t> = </a:t>
-            </a:r>
-            <a:r>
-              <a:rPr lang="en-US" sz="2400" dirty="0" err="1" smtClean="0"/>
-              <a:t>argmin</a:t>
-            </a:r>
-            <a:r>
-              <a:rPr lang="en-US" sz="2400" baseline="-25000" dirty="0" err="1" smtClean="0"/>
-              <a:t>j</a:t>
-            </a:r>
-            <a:r>
-              <a:rPr lang="en-US" sz="2400" dirty="0" smtClean="0"/>
-              <a:t>{</a:t>
-            </a:r>
-            <a:r>
-              <a:rPr lang="en-US" sz="2400" dirty="0" err="1" smtClean="0"/>
-              <a:t>d</a:t>
-            </a:r>
-            <a:r>
-              <a:rPr lang="en-US" sz="2400" baseline="-25000" dirty="0" err="1" smtClean="0"/>
-              <a:t>ij</a:t>
-            </a:r>
-            <a:r>
-              <a:rPr lang="en-US" sz="2400" dirty="0" smtClean="0"/>
-              <a:t>}</a:t>
+              <a:rPr lang="en-US" sz="2400" baseline="-25000" dirty="0" err="1"/>
+              <a:t>N</a:t>
+            </a:r>
+            <a:r>
+              <a:rPr lang="en-US" sz="2400" dirty="0"/>
+              <a:t>} and number of clusters K</a:t>
             </a:r>
           </a:p>
           <a:p>
@@ -8555,34 +8312,125 @@
               <a:buAutoNum type="arabicPeriod"/>
             </a:pPr>
             <a:r>
-              <a:rPr lang="en-US" sz="2400" dirty="0" smtClean="0"/>
-              <a:t>Compute the new centroids of each cluster</a:t>
-            </a:r>
-          </a:p>
-          <a:p>
-            <a:r>
               <a:rPr lang="en-US" sz="2400" dirty="0"/>
-              <a:t>	 </a:t>
-            </a:r>
-            <a:r>
-              <a:rPr lang="en-US" sz="2400" dirty="0" smtClean="0"/>
-              <a:t>     c</a:t>
-            </a:r>
-            <a:r>
-              <a:rPr lang="en-US" sz="1600" baseline="30000" dirty="0" smtClean="0"/>
-              <a:t>*</a:t>
-            </a:r>
-            <a:r>
-              <a:rPr lang="en-US" sz="2400" baseline="-25000" dirty="0" smtClean="0"/>
+              <a:t>Centroids {c</a:t>
+            </a:r>
+            <a:r>
+              <a:rPr lang="en-US" sz="2400" baseline="-25000" dirty="0"/>
+              <a:t>1</a:t>
+            </a:r>
+            <a:r>
+              <a:rPr lang="en-US" sz="2400" dirty="0"/>
+              <a:t>, c</a:t>
+            </a:r>
+            <a:r>
+              <a:rPr lang="en-US" sz="2400" baseline="-25000" dirty="0"/>
+              <a:t>2</a:t>
+            </a:r>
+            <a:r>
+              <a:rPr lang="en-US" sz="2400" dirty="0"/>
+              <a:t>, ... </a:t>
+            </a:r>
+            <a:r>
+              <a:rPr lang="en-US" sz="2400" dirty="0" err="1"/>
+              <a:t>c</a:t>
+            </a:r>
+            <a:r>
+              <a:rPr lang="en-US" sz="2400" baseline="-25000" dirty="0" err="1"/>
+              <a:t>K</a:t>
+            </a:r>
+            <a:r>
+              <a:rPr lang="en-US" sz="2400" dirty="0"/>
+              <a:t>}  = random K points of X</a:t>
+            </a:r>
+          </a:p>
+          <a:p>
+            <a:pPr marL="342900" indent="-342900">
+              <a:buAutoNum type="arabicPeriod"/>
+            </a:pPr>
+            <a:endParaRPr lang="en-US" sz="2400" dirty="0"/>
+          </a:p>
+          <a:p>
+            <a:pPr marL="342900" indent="-342900">
+              <a:buAutoNum type="arabicPeriod"/>
+            </a:pPr>
+            <a:r>
+              <a:rPr lang="en-US" sz="2400" dirty="0"/>
+              <a:t>For each data point x</a:t>
+            </a:r>
+            <a:r>
+              <a:rPr lang="en-US" sz="2400" baseline="-25000" dirty="0"/>
+              <a:t>i </a:t>
+            </a:r>
+          </a:p>
+          <a:p>
+            <a:pPr marL="342900" indent="-342900">
+              <a:buAutoNum type="arabicPeriod"/>
+            </a:pPr>
+            <a:endParaRPr lang="en-US" sz="2400" dirty="0"/>
+          </a:p>
+          <a:p>
+            <a:pPr marL="342900" indent="-342900">
+              <a:buAutoNum type="arabicPeriod"/>
+            </a:pPr>
+            <a:r>
+              <a:rPr lang="en-US" sz="2400" dirty="0"/>
+              <a:t>       Compute distance </a:t>
+            </a:r>
+            <a:r>
+              <a:rPr lang="en-US" sz="2400" dirty="0" err="1"/>
+              <a:t>d</a:t>
+            </a:r>
+            <a:r>
+              <a:rPr lang="en-US" sz="2400" baseline="-25000" dirty="0" err="1"/>
+              <a:t>ij</a:t>
+            </a:r>
+            <a:r>
+              <a:rPr lang="en-US" sz="2400" dirty="0"/>
+              <a:t> = d(</a:t>
+            </a:r>
+            <a:r>
+              <a:rPr lang="en-US" sz="2400" dirty="0" err="1"/>
+              <a:t>x</a:t>
+            </a:r>
+            <a:r>
+              <a:rPr lang="en-US" sz="2400" baseline="-25000" dirty="0" err="1"/>
+              <a:t>i</a:t>
+            </a:r>
+            <a:r>
+              <a:rPr lang="en-US" sz="2400" dirty="0" err="1"/>
+              <a:t>,c</a:t>
+            </a:r>
+            <a:r>
+              <a:rPr lang="en-US" sz="2400" baseline="-25000" dirty="0" err="1"/>
               <a:t>j</a:t>
             </a:r>
             <a:r>
-              <a:rPr lang="en-US" sz="2400" dirty="0" smtClean="0"/>
-              <a:t> </a:t>
-            </a:r>
-            <a:r>
               <a:rPr lang="en-US" sz="2400" dirty="0"/>
-              <a:t>= mean(x</a:t>
+              <a:t>)  </a:t>
+            </a:r>
+            <a:r>
+              <a:rPr lang="en-US" sz="2400" dirty="0" err="1"/>
+              <a:t>i</a:t>
+            </a:r>
+            <a:r>
+              <a:rPr lang="en-US" sz="2400" dirty="0"/>
+              <a:t>=1,...,N, j=1,...K</a:t>
+            </a:r>
+          </a:p>
+          <a:p>
+            <a:pPr marL="342900" indent="-342900">
+              <a:buAutoNum type="arabicPeriod"/>
+            </a:pPr>
+            <a:endParaRPr lang="en-US" sz="2400" dirty="0"/>
+          </a:p>
+          <a:p>
+            <a:pPr marL="342900" indent="-342900">
+              <a:buAutoNum type="arabicPeriod"/>
+            </a:pPr>
+            <a:r>
+              <a:rPr lang="en-US" sz="2400" dirty="0"/>
+              <a:t>       Assign x</a:t>
             </a:r>
             <a:r>
               <a:rPr lang="en-US" sz="2400" baseline="-25000" dirty="0"/>
@@ -8590,7 +8438,7 @@
             </a:r>
             <a:r>
               <a:rPr lang="en-US" sz="2400" dirty="0"/>
-              <a:t>)  for </a:t>
+              <a:t> to the nearest centroid: </a:t>
             </a:r>
             <a:r>
               <a:rPr lang="en-US" sz="2400" dirty="0" err="1"/>
@@ -8605,75 +8453,144 @@
               <a:t> = </a:t>
             </a:r>
             <a:r>
-              <a:rPr lang="en-US" sz="2400" dirty="0" smtClean="0"/>
+              <a:rPr lang="en-US" sz="2400" dirty="0" err="1"/>
+              <a:t>argmin</a:t>
+            </a:r>
+            <a:r>
+              <a:rPr lang="en-US" sz="2400" baseline="-25000" dirty="0" err="1"/>
               <a:t>j</a:t>
             </a:r>
-          </a:p>
-          <a:p>
-            <a:endParaRPr lang="en-US" sz="2400" dirty="0" smtClean="0"/>
+            <a:r>
+              <a:rPr lang="en-US" sz="2400" dirty="0"/>
+              <a:t>{</a:t>
+            </a:r>
+            <a:r>
+              <a:rPr lang="en-US" sz="2400" dirty="0" err="1"/>
+              <a:t>d</a:t>
+            </a:r>
+            <a:r>
+              <a:rPr lang="en-US" sz="2400" baseline="-25000" dirty="0" err="1"/>
+              <a:t>ij</a:t>
+            </a:r>
+            <a:r>
+              <a:rPr lang="en-US" sz="2400" dirty="0"/>
+              <a:t>}</a:t>
+            </a:r>
+          </a:p>
+          <a:p>
+            <a:pPr marL="342900" indent="-342900">
+              <a:buAutoNum type="arabicPeriod"/>
+            </a:pPr>
+            <a:endParaRPr lang="en-US" sz="2400" dirty="0"/>
+          </a:p>
+          <a:p>
+            <a:pPr marL="342900" indent="-342900">
+              <a:buAutoNum type="arabicPeriod"/>
+            </a:pPr>
+            <a:r>
+              <a:rPr lang="en-US" sz="2400" dirty="0"/>
+              <a:t>Compute the new centroids of each cluster</a:t>
+            </a:r>
+          </a:p>
+          <a:p>
+            <a:r>
+              <a:rPr lang="en-US" sz="2400" dirty="0"/>
+              <a:t>	      c</a:t>
+            </a:r>
+            <a:r>
+              <a:rPr lang="en-US" sz="1600" baseline="30000" dirty="0"/>
+              <a:t>*</a:t>
+            </a:r>
+            <a:r>
+              <a:rPr lang="en-US" sz="2400" baseline="-25000" dirty="0"/>
+              <a:t>j</a:t>
+            </a:r>
+            <a:r>
+              <a:rPr lang="en-US" sz="2400" dirty="0"/>
+              <a:t> = mean(x</a:t>
+            </a:r>
+            <a:r>
+              <a:rPr lang="en-US" sz="2400" baseline="-25000" dirty="0"/>
+              <a:t>i</a:t>
+            </a:r>
+            <a:r>
+              <a:rPr lang="en-US" sz="2400" dirty="0"/>
+              <a:t>)  for </a:t>
+            </a:r>
+            <a:r>
+              <a:rPr lang="en-US" sz="2400" dirty="0" err="1"/>
+              <a:t>y</a:t>
+            </a:r>
+            <a:r>
+              <a:rPr lang="en-US" sz="2400" baseline="-25000" dirty="0" err="1"/>
+              <a:t>i</a:t>
+            </a:r>
+            <a:r>
+              <a:rPr lang="en-US" sz="2400" dirty="0"/>
+              <a:t> = j</a:t>
+            </a:r>
+          </a:p>
+          <a:p>
+            <a:endParaRPr lang="en-US" sz="2400" dirty="0"/>
           </a:p>
           <a:p>
             <a:pPr marL="457200" indent="-457200">
               <a:buAutoNum type="arabicPeriod" startAt="7"/>
             </a:pPr>
             <a:r>
-              <a:rPr lang="en-US" sz="2400" dirty="0" smtClean="0"/>
+              <a:rPr lang="en-US" sz="2400" dirty="0"/>
               <a:t>if c</a:t>
             </a:r>
             <a:r>
-              <a:rPr lang="en-US" sz="1600" baseline="30000" dirty="0" smtClean="0"/>
+              <a:rPr lang="en-US" sz="1600" baseline="30000" dirty="0"/>
               <a:t>*</a:t>
             </a:r>
             <a:r>
-              <a:rPr lang="en-US" sz="2400" baseline="-25000" dirty="0" smtClean="0"/>
+              <a:rPr lang="en-US" sz="2400" baseline="-25000" dirty="0"/>
               <a:t>j</a:t>
             </a:r>
             <a:r>
               <a:rPr lang="en-US" sz="2400" dirty="0"/>
+              <a:t>       </a:t>
+            </a:r>
+            <a:r>
+              <a:rPr lang="en-US" sz="2400" dirty="0" err="1"/>
+              <a:t>c</a:t>
+            </a:r>
+            <a:r>
+              <a:rPr lang="en-US" sz="2400" baseline="-25000" dirty="0" err="1"/>
+              <a:t>j</a:t>
+            </a:r>
+            <a:r>
+              <a:rPr lang="en-US" sz="2400" baseline="-25000" dirty="0"/>
               <a:t> </a:t>
             </a:r>
             <a:r>
-              <a:rPr lang="en-US" sz="2400" dirty="0" smtClean="0"/>
-              <a:t>      </a:t>
-            </a:r>
-            <a:r>
-              <a:rPr lang="en-US" sz="2400" dirty="0" err="1" smtClean="0"/>
+              <a:rPr lang="en-US" sz="2400" dirty="0"/>
+              <a:t>then </a:t>
+            </a:r>
+            <a:r>
+              <a:rPr lang="en-US" sz="2400" dirty="0" err="1"/>
               <a:t>c</a:t>
             </a:r>
             <a:r>
-              <a:rPr lang="en-US" sz="2400" baseline="-25000" dirty="0" err="1" smtClean="0"/>
+              <a:rPr lang="en-US" sz="2400" baseline="-25000" dirty="0" err="1"/>
               <a:t>j</a:t>
             </a:r>
             <a:r>
-              <a:rPr lang="en-US" sz="2400" baseline="-25000" dirty="0" smtClean="0"/>
-              <a:t> </a:t>
-            </a:r>
-            <a:r>
-              <a:rPr lang="en-US" sz="2400" dirty="0" smtClean="0"/>
-              <a:t>then </a:t>
-            </a:r>
-            <a:r>
-              <a:rPr lang="en-US" sz="2400" dirty="0" err="1" smtClean="0"/>
-              <a:t>c</a:t>
-            </a:r>
-            <a:r>
-              <a:rPr lang="en-US" sz="2400" baseline="-25000" dirty="0" err="1" smtClean="0"/>
+              <a:rPr lang="en-US" sz="2400" dirty="0"/>
+              <a:t> = c</a:t>
+            </a:r>
+            <a:r>
+              <a:rPr lang="en-US" sz="1600" baseline="30000" dirty="0"/>
+              <a:t>*</a:t>
+            </a:r>
+            <a:r>
+              <a:rPr lang="en-US" sz="2400" baseline="-25000" dirty="0"/>
               <a:t>j</a:t>
             </a:r>
             <a:r>
-              <a:rPr lang="en-US" sz="2400" dirty="0" smtClean="0"/>
-              <a:t> = c</a:t>
-            </a:r>
-            <a:r>
-              <a:rPr lang="en-US" sz="1600" baseline="30000" dirty="0" smtClean="0"/>
-              <a:t>*</a:t>
-            </a:r>
-            <a:r>
-              <a:rPr lang="en-US" sz="2400" baseline="-25000" dirty="0" smtClean="0"/>
-              <a:t>j</a:t>
-            </a:r>
-            <a:r>
-              <a:rPr lang="en-US" sz="2400" dirty="0" smtClean="0"/>
+              <a:rPr lang="en-US" sz="2400" dirty="0"/>
               <a:t>   go to step 3</a:t>
             </a:r>
           </a:p>
@@ -8681,89 +8598,72 @@
             <a:pPr marL="457200" indent="-457200">
               <a:buAutoNum type="arabicPeriod" startAt="7"/>
             </a:pPr>
-            <a:endParaRPr lang="en-US" sz="2400" dirty="0" smtClean="0"/>
+            <a:endParaRPr lang="en-US" sz="2400" dirty="0"/>
           </a:p>
           <a:p>
             <a:pPr marL="457200" indent="-457200">
               <a:buAutoNum type="arabicPeriod" startAt="7"/>
             </a:pPr>
             <a:r>
-              <a:rPr lang="en-US" sz="2400" dirty="0" smtClean="0"/>
-              <a:t>Output: </a:t>
-            </a:r>
-            <a:r>
               <a:rPr lang="en-US" sz="2400" dirty="0"/>
-              <a:t>{</a:t>
-            </a:r>
-            <a:r>
-              <a:rPr lang="en-US" sz="2400" dirty="0" smtClean="0"/>
-              <a:t>c</a:t>
+              <a:t>Output: {c</a:t>
             </a:r>
             <a:r>
               <a:rPr lang="en-US" sz="2400" baseline="30000" dirty="0"/>
               <a:t>*</a:t>
             </a:r>
             <a:r>
-              <a:rPr lang="en-US" sz="2400" baseline="-25000" dirty="0" smtClean="0"/>
+              <a:rPr lang="en-US" sz="2400" baseline="-25000" dirty="0"/>
               <a:t>1</a:t>
             </a:r>
             <a:r>
               <a:rPr lang="en-US" sz="2400" dirty="0"/>
-              <a:t>, </a:t>
-            </a:r>
-            <a:r>
-              <a:rPr lang="en-US" sz="2400" dirty="0" smtClean="0"/>
-              <a:t>c</a:t>
+              <a:t>, c</a:t>
             </a:r>
             <a:r>
               <a:rPr lang="en-US" sz="2400" baseline="30000" dirty="0"/>
               <a:t>*</a:t>
             </a:r>
             <a:r>
-              <a:rPr lang="en-US" sz="2400" baseline="-25000" dirty="0" smtClean="0"/>
+              <a:rPr lang="en-US" sz="2400" baseline="-25000" dirty="0"/>
               <a:t>2</a:t>
             </a:r>
             <a:r>
               <a:rPr lang="en-US" sz="2400" dirty="0"/>
-              <a:t>, ... </a:t>
-            </a:r>
-            <a:r>
-              <a:rPr lang="en-US" sz="2400" dirty="0" smtClean="0"/>
-              <a:t>c</a:t>
+              <a:t>, ... c</a:t>
             </a:r>
             <a:r>
               <a:rPr lang="en-US" sz="2400" baseline="30000" dirty="0"/>
               <a:t>*</a:t>
             </a:r>
             <a:r>
-              <a:rPr lang="en-US" sz="2400" baseline="-25000" dirty="0" smtClean="0"/>
+              <a:rPr lang="en-US" sz="2400" baseline="-25000" dirty="0"/>
               <a:t>K</a:t>
             </a:r>
             <a:r>
-              <a:rPr lang="en-US" sz="2400" dirty="0" smtClean="0"/>
+              <a:rPr lang="en-US" sz="2400" dirty="0"/>
               <a:t>} and </a:t>
             </a:r>
             <a:r>
-              <a:rPr lang="en-US" sz="2400" dirty="0" err="1" smtClean="0"/>
+              <a:rPr lang="en-US" sz="2400" dirty="0" err="1"/>
               <a:t>y</a:t>
             </a:r>
             <a:r>
-              <a:rPr lang="en-US" sz="2400" baseline="-25000" dirty="0" err="1" smtClean="0"/>
+              <a:rPr lang="en-US" sz="2400" baseline="-25000" dirty="0" err="1"/>
               <a:t>i</a:t>
             </a:r>
             <a:r>
-              <a:rPr lang="en-US" sz="2400" dirty="0" smtClean="0"/>
+              <a:rPr lang="en-US" sz="2400" dirty="0"/>
               <a:t> for </a:t>
             </a:r>
             <a:r>
-              <a:rPr lang="en-US" sz="2400" dirty="0" err="1" smtClean="0"/>
+              <a:rPr lang="en-US" sz="2400" dirty="0" err="1"/>
               <a:t>i</a:t>
             </a:r>
             <a:r>
-              <a:rPr lang="en-US" sz="2400" dirty="0" smtClean="0"/>
+              <a:rPr lang="en-US" sz="2400" dirty="0"/>
               <a:t>=1,...,N</a:t>
             </a:r>
-            <a:endParaRPr lang="en-US" sz="2400" dirty="0"/>
           </a:p>
         </p:txBody>
       </p:sp>
@@ -8801,13 +8701,6 @@
   <p:clrMapOvr>
     <a:masterClrMapping/>
   </p:clrMapOvr>
-  <p:timing>
-    <p:tnLst>
-      <p:par>
-        <p:cTn id="1" dur="indefinite" restart="never" nodeType="tmRoot"/>
-      </p:par>
-    </p:tnLst>
-  </p:timing>
 </p:sld>
 </file>
 
@@ -9750,13 +9643,6 @@
   <p:clrMapOvr>
     <a:masterClrMapping/>
   </p:clrMapOvr>
-  <p:timing>
-    <p:tnLst>
-      <p:par>
-        <p:cTn id="1" dur="indefinite" restart="never" nodeType="tmRoot"/>
-      </p:par>
-    </p:tnLst>
-  </p:timing>
 </p:sld>
 </file>
 
@@ -10718,11 +10604,11 @@
           <a:lstStyle/>
           <a:p>
             <a:r>
-              <a:rPr lang="en-US" dirty="0" smtClean="0"/>
+              <a:rPr lang="en-US" dirty="0"/>
               <a:t>Choose random </a:t>
             </a:r>
             <a:r>
-              <a:rPr lang="en-US" smtClean="0"/>
+              <a:rPr lang="en-US"/>
               <a:t>K=2 points (centroids)</a:t>
             </a:r>
             <a:endParaRPr lang="en-US" dirty="0"/>
@@ -10739,13 +10625,6 @@
   <p:clrMapOvr>
     <a:masterClrMapping/>
   </p:clrMapOvr>
-  <p:timing>
-    <p:tnLst>
-      <p:par>
-        <p:cTn id="1" dur="indefinite" restart="never" nodeType="tmRoot"/>
-      </p:par>
-    </p:tnLst>
-  </p:timing>
 </p:sld>
 </file>
 
@@ -11707,10 +11586,9 @@
           <a:lstStyle/>
           <a:p>
             <a:r>
-              <a:rPr lang="en-US" dirty="0" smtClean="0"/>
+              <a:rPr lang="en-US" dirty="0"/>
               <a:t>Assign to the nearest centroid</a:t>
             </a:r>
-            <a:endParaRPr lang="en-US" dirty="0"/>
           </a:p>
         </p:txBody>
       </p:sp>
@@ -11724,13 +11602,6 @@
   <p:clrMapOvr>
     <a:masterClrMapping/>
   </p:clrMapOvr>
-  <p:timing>
-    <p:tnLst>
-      <p:par>
-        <p:cTn id="1" dur="indefinite" restart="never" nodeType="tmRoot"/>
-      </p:par>
-    </p:tnLst>
-  </p:timing>
 </p:sld>
 </file>
 
@@ -12692,10 +12563,9 @@
           <a:lstStyle/>
           <a:p>
             <a:r>
-              <a:rPr lang="en-US" dirty="0" smtClean="0"/>
+              <a:rPr lang="en-US" dirty="0"/>
               <a:t>Assign to the nearest centroid</a:t>
             </a:r>
-            <a:endParaRPr lang="en-US" dirty="0"/>
           </a:p>
         </p:txBody>
       </p:sp>
@@ -12748,13 +12618,6 @@
   <p:clrMapOvr>
     <a:masterClrMapping/>
   </p:clrMapOvr>
-  <p:timing>
-    <p:tnLst>
-      <p:par>
-        <p:cTn id="1" dur="indefinite" restart="never" nodeType="tmRoot"/>
-      </p:par>
-    </p:tnLst>
-  </p:timing>
 </p:sld>
 </file>
 
@@ -13782,10 +13645,9 @@
           <a:lstStyle/>
           <a:p>
             <a:r>
-              <a:rPr lang="en-US" dirty="0" smtClean="0"/>
+              <a:rPr lang="en-US" dirty="0"/>
               <a:t>Assign to the nearest centroid</a:t>
             </a:r>
-            <a:endParaRPr lang="en-US" dirty="0"/>
           </a:p>
         </p:txBody>
       </p:sp>
@@ -13838,13 +13700,6 @@
   <p:clrMapOvr>
     <a:masterClrMapping/>
   </p:clrMapOvr>
-  <p:timing>
-    <p:tnLst>
-      <p:par>
-        <p:cTn id="1" dur="indefinite" restart="never" nodeType="tmRoot"/>
-      </p:par>
-    </p:tnLst>
-  </p:timing>
 </p:sld>
 </file>
 
@@ -14859,13 +14714,6 @@
   <p:clrMapOvr>
     <a:masterClrMapping/>
   </p:clrMapOvr>
-  <p:timing>
-    <p:tnLst>
-      <p:par>
-        <p:cTn id="1" dur="indefinite" restart="never" nodeType="tmRoot"/>
-      </p:par>
-    </p:tnLst>
-  </p:timing>
 </p:sld>
 </file>
 
@@ -15893,10 +15741,9 @@
           <a:lstStyle/>
           <a:p>
             <a:r>
-              <a:rPr lang="en-US" dirty="0" smtClean="0"/>
+              <a:rPr lang="en-US" dirty="0"/>
               <a:t>Compute new centroids</a:t>
             </a:r>
-            <a:endParaRPr lang="en-US" dirty="0"/>
           </a:p>
         </p:txBody>
       </p:sp>
@@ -15992,13 +15839,6 @@
   <p:clrMapOvr>
     <a:masterClrMapping/>
   </p:clrMapOvr>
-  <p:timing>
-    <p:tnLst>
-      <p:par>
-        <p:cTn id="1" dur="indefinite" restart="never" nodeType="tmRoot"/>
-      </p:par>
-    </p:tnLst>
-  </p:timing>
 </p:sld>
 </file>
 
